--- a/system frame.pptx
+++ b/system frame.pptx
@@ -3897,7 +3897,7 @@
                         <a:pPr algn="ctr"/>
                         <a:r>
                           <a:rPr lang="en-US" altLang="zh-CN"/>
-                          <a:t>manipulation</a:t>
+                          <a:t>input cmd</a:t>
                         </a:r>
                         <a:endParaRPr lang="en-US" altLang="zh-CN"/>
                       </a:p>
@@ -4785,7 +4785,7 @@
                 <a:pPr algn="ctr"/>
                 <a:r>
                   <a:rPr lang="en-US" altLang="zh-CN"/>
-                  <a:t>manipulation</a:t>
+                  <a:t>input cmd</a:t>
                 </a:r>
                 <a:endParaRPr lang="en-US" altLang="zh-CN"/>
               </a:p>
@@ -5398,6 +5398,66 @@
           </p:txBody>
         </p:sp>
       </p:grpSp>
+      <p:sp>
+        <p:nvSpPr>
+          <p:cNvPr id="18" name="文本框 17"/>
+          <p:cNvSpPr txBox="1"/>
+          <p:nvPr/>
+        </p:nvSpPr>
+        <p:spPr>
+          <a:xfrm>
+            <a:off x="7018655" y="807720"/>
+            <a:ext cx="821690" cy="245110"/>
+          </a:xfrm>
+          <a:prstGeom prst="rect">
+            <a:avLst/>
+          </a:prstGeom>
+          <a:noFill/>
+        </p:spPr>
+        <p:txBody>
+          <a:bodyPr wrap="square" rtlCol="0">
+            <a:spAutoFit/>
+          </a:bodyPr>
+          <a:p>
+            <a:pPr algn="ctr"/>
+            <a:r>
+              <a:rPr lang="en-US" altLang="zh-CN" sz="1000"/>
+              <a:t>rosnode</a:t>
+            </a:r>
+            <a:endParaRPr lang="en-US" altLang="zh-CN" sz="1000"/>
+          </a:p>
+        </p:txBody>
+      </p:sp>
+      <p:sp>
+        <p:nvSpPr>
+          <p:cNvPr id="48" name="文本框 47"/>
+          <p:cNvSpPr txBox="1"/>
+          <p:nvPr/>
+        </p:nvSpPr>
+        <p:spPr>
+          <a:xfrm>
+            <a:off x="9512300" y="807085"/>
+            <a:ext cx="821690" cy="245110"/>
+          </a:xfrm>
+          <a:prstGeom prst="rect">
+            <a:avLst/>
+          </a:prstGeom>
+          <a:noFill/>
+        </p:spPr>
+        <p:txBody>
+          <a:bodyPr wrap="square" rtlCol="0">
+            <a:spAutoFit/>
+          </a:bodyPr>
+          <a:p>
+            <a:pPr algn="ctr"/>
+            <a:r>
+              <a:rPr lang="en-US" altLang="zh-CN" sz="1000"/>
+              <a:t>rosnode</a:t>
+            </a:r>
+            <a:endParaRPr lang="en-US" altLang="zh-CN" sz="1000"/>
+          </a:p>
+        </p:txBody>
+      </p:sp>
     </p:spTree>
   </p:cSld>
   <p:clrMapOvr>

--- a/system frame.pptx
+++ b/system frame.pptx
@@ -5,13 +5,14 @@
     <p:sldMasterId id="2147483648" r:id="rId1"/>
   </p:sldMasterIdLst>
   <p:notesMasterIdLst>
-    <p:notesMasterId r:id="rId4"/>
+    <p:notesMasterId r:id="rId5"/>
   </p:notesMasterIdLst>
   <p:handoutMasterIdLst>
-    <p:handoutMasterId r:id="rId5"/>
+    <p:handoutMasterId r:id="rId6"/>
   </p:handoutMasterIdLst>
   <p:sldIdLst>
     <p:sldId id="256" r:id="rId3"/>
+    <p:sldId id="257" r:id="rId4"/>
   </p:sldIdLst>
   <p:sldSz cx="12192000" cy="6858000"/>
   <p:notesSz cx="7103745" cy="10234295"/>
@@ -5466,6 +5467,1290 @@
 </p:sld>
 </file>
 
+<file path=ppt/slides/slide2.xml><?xml version="1.0" encoding="utf-8"?>
+<p:sld xmlns:a="http://schemas.openxmlformats.org/drawingml/2006/main" xmlns:r="http://schemas.openxmlformats.org/officeDocument/2006/relationships" xmlns:p="http://schemas.openxmlformats.org/presentationml/2006/main">
+  <p:cSld>
+    <p:spTree>
+      <p:nvGrpSpPr>
+        <p:cNvPr id="1" name=""/>
+        <p:cNvGrpSpPr/>
+        <p:nvPr/>
+      </p:nvGrpSpPr>
+      <p:grpSpPr/>
+      <p:grpSp>
+        <p:nvGrpSpPr>
+          <p:cNvPr id="94" name="组合 93"/>
+          <p:cNvGrpSpPr/>
+          <p:nvPr/>
+        </p:nvGrpSpPr>
+        <p:grpSpPr>
+          <a:xfrm>
+            <a:off x="2213610" y="2381885"/>
+            <a:ext cx="2540000" cy="1640205"/>
+            <a:chOff x="3486" y="3751"/>
+            <a:chExt cx="4000" cy="2583"/>
+          </a:xfrm>
+        </p:grpSpPr>
+        <p:grpSp>
+          <p:nvGrpSpPr>
+            <p:cNvPr id="67" name="组合 66"/>
+            <p:cNvGrpSpPr/>
+            <p:nvPr/>
+          </p:nvGrpSpPr>
+          <p:grpSpPr>
+            <a:xfrm>
+              <a:off x="4695" y="4266"/>
+              <a:ext cx="2208" cy="2068"/>
+              <a:chOff x="7059" y="3818"/>
+              <a:chExt cx="2208" cy="2068"/>
+            </a:xfrm>
+          </p:grpSpPr>
+          <p:sp>
+            <p:nvSpPr>
+              <p:cNvPr id="57" name="圆角矩形 56"/>
+              <p:cNvSpPr/>
+              <p:nvPr/>
+            </p:nvSpPr>
+            <p:spPr>
+              <a:xfrm>
+                <a:off x="7059" y="3818"/>
+                <a:ext cx="1582" cy="543"/>
+              </a:xfrm>
+              <a:prstGeom prst="roundRect">
+                <a:avLst/>
+              </a:prstGeom>
+            </p:spPr>
+            <p:style>
+              <a:lnRef idx="2">
+                <a:schemeClr val="dk1"/>
+              </a:lnRef>
+              <a:fillRef idx="1">
+                <a:schemeClr val="lt1"/>
+              </a:fillRef>
+              <a:effectRef idx="0">
+                <a:schemeClr val="dk1"/>
+              </a:effectRef>
+              <a:fontRef idx="minor">
+                <a:schemeClr val="dk1"/>
+              </a:fontRef>
+            </p:style>
+            <p:txBody>
+              <a:bodyPr rtlCol="0" anchor="ctr"/>
+              <a:p>
+                <a:pPr algn="ctr"/>
+                <a:endParaRPr lang="zh-CN" altLang="en-US"/>
+              </a:p>
+            </p:txBody>
+          </p:sp>
+          <p:cxnSp>
+            <p:nvCxnSpPr>
+              <p:cNvPr id="58" name="直接连接符 57"/>
+              <p:cNvCxnSpPr/>
+              <p:nvPr/>
+            </p:nvCxnSpPr>
+            <p:spPr>
+              <a:xfrm>
+                <a:off x="8449" y="4377"/>
+                <a:ext cx="0" cy="1406"/>
+              </a:xfrm>
+              <a:prstGeom prst="line">
+                <a:avLst/>
+              </a:prstGeom>
+              <a:ln w="15875"/>
+            </p:spPr>
+            <p:style>
+              <a:lnRef idx="3">
+                <a:schemeClr val="dk1"/>
+              </a:lnRef>
+              <a:fillRef idx="0">
+                <a:schemeClr val="dk1"/>
+              </a:fillRef>
+              <a:effectRef idx="2">
+                <a:schemeClr val="dk1"/>
+              </a:effectRef>
+              <a:fontRef idx="minor">
+                <a:schemeClr val="tx1"/>
+              </a:fontRef>
+            </p:style>
+          </p:cxnSp>
+          <p:cxnSp>
+            <p:nvCxnSpPr>
+              <p:cNvPr id="59" name="直接连接符 58"/>
+              <p:cNvCxnSpPr/>
+              <p:nvPr/>
+            </p:nvCxnSpPr>
+            <p:spPr>
+              <a:xfrm>
+                <a:off x="7291" y="4361"/>
+                <a:ext cx="0" cy="1406"/>
+              </a:xfrm>
+              <a:prstGeom prst="line">
+                <a:avLst/>
+              </a:prstGeom>
+              <a:ln w="15875"/>
+            </p:spPr>
+            <p:style>
+              <a:lnRef idx="3">
+                <a:schemeClr val="dk1"/>
+              </a:lnRef>
+              <a:fillRef idx="0">
+                <a:schemeClr val="dk1"/>
+              </a:fillRef>
+              <a:effectRef idx="2">
+                <a:schemeClr val="dk1"/>
+              </a:effectRef>
+              <a:fontRef idx="minor">
+                <a:schemeClr val="tx1"/>
+              </a:fontRef>
+            </p:style>
+          </p:cxnSp>
+          <p:sp>
+            <p:nvSpPr>
+              <p:cNvPr id="60" name="椭圆 59"/>
+              <p:cNvSpPr/>
+              <p:nvPr/>
+            </p:nvSpPr>
+            <p:spPr>
+              <a:xfrm>
+                <a:off x="8389" y="5767"/>
+                <a:ext cx="119" cy="119"/>
+              </a:xfrm>
+              <a:prstGeom prst="ellipse">
+                <a:avLst/>
+              </a:prstGeom>
+            </p:spPr>
+            <p:style>
+              <a:lnRef idx="2">
+                <a:schemeClr val="dk1">
+                  <a:shade val="50000"/>
+                </a:schemeClr>
+              </a:lnRef>
+              <a:fillRef idx="1">
+                <a:schemeClr val="dk1"/>
+              </a:fillRef>
+              <a:effectRef idx="0">
+                <a:schemeClr val="dk1"/>
+              </a:effectRef>
+              <a:fontRef idx="minor">
+                <a:schemeClr val="lt1"/>
+              </a:fontRef>
+            </p:style>
+            <p:txBody>
+              <a:bodyPr rtlCol="0" anchor="ctr"/>
+              <a:p>
+                <a:pPr algn="ctr"/>
+                <a:endParaRPr lang="zh-CN" altLang="en-US"/>
+              </a:p>
+            </p:txBody>
+          </p:sp>
+          <p:sp>
+            <p:nvSpPr>
+              <p:cNvPr id="62" name="椭圆 61"/>
+              <p:cNvSpPr/>
+              <p:nvPr/>
+            </p:nvSpPr>
+            <p:spPr>
+              <a:xfrm>
+                <a:off x="7231" y="5767"/>
+                <a:ext cx="119" cy="119"/>
+              </a:xfrm>
+              <a:prstGeom prst="ellipse">
+                <a:avLst/>
+              </a:prstGeom>
+            </p:spPr>
+            <p:style>
+              <a:lnRef idx="2">
+                <a:schemeClr val="dk1">
+                  <a:shade val="50000"/>
+                </a:schemeClr>
+              </a:lnRef>
+              <a:fillRef idx="1">
+                <a:schemeClr val="dk1"/>
+              </a:fillRef>
+              <a:effectRef idx="0">
+                <a:schemeClr val="dk1"/>
+              </a:effectRef>
+              <a:fontRef idx="minor">
+                <a:schemeClr val="lt1"/>
+              </a:fontRef>
+            </p:style>
+            <p:txBody>
+              <a:bodyPr rtlCol="0" anchor="ctr"/>
+              <a:p>
+                <a:pPr algn="ctr"/>
+                <a:endParaRPr lang="zh-CN" altLang="en-US"/>
+              </a:p>
+            </p:txBody>
+          </p:sp>
+          <p:cxnSp>
+            <p:nvCxnSpPr>
+              <p:cNvPr id="63" name="直接连接符 62"/>
+              <p:cNvCxnSpPr/>
+              <p:nvPr/>
+            </p:nvCxnSpPr>
+            <p:spPr>
+              <a:xfrm flipH="1">
+                <a:off x="7906" y="4345"/>
+                <a:ext cx="543" cy="942"/>
+              </a:xfrm>
+              <a:prstGeom prst="line">
+                <a:avLst/>
+              </a:prstGeom>
+              <a:ln w="12700" cmpd="sng">
+                <a:solidFill>
+                  <a:schemeClr val="tx1"/>
+                </a:solidFill>
+                <a:prstDash val="sysDot"/>
+              </a:ln>
+            </p:spPr>
+            <p:style>
+              <a:lnRef idx="3">
+                <a:schemeClr val="dk1"/>
+              </a:lnRef>
+              <a:fillRef idx="0">
+                <a:schemeClr val="dk1"/>
+              </a:fillRef>
+              <a:effectRef idx="2">
+                <a:schemeClr val="dk1"/>
+              </a:effectRef>
+              <a:fontRef idx="minor">
+                <a:schemeClr val="tx1"/>
+              </a:fontRef>
+            </p:style>
+          </p:cxnSp>
+          <p:cxnSp>
+            <p:nvCxnSpPr>
+              <p:cNvPr id="64" name="直接连接符 63"/>
+              <p:cNvCxnSpPr/>
+              <p:nvPr/>
+            </p:nvCxnSpPr>
+            <p:spPr>
+              <a:xfrm flipH="1" flipV="1">
+                <a:off x="8431" y="4345"/>
+                <a:ext cx="513" cy="974"/>
+              </a:xfrm>
+              <a:prstGeom prst="line">
+                <a:avLst/>
+              </a:prstGeom>
+              <a:ln w="12700" cmpd="sng">
+                <a:solidFill>
+                  <a:schemeClr val="tx1"/>
+                </a:solidFill>
+                <a:prstDash val="sysDot"/>
+              </a:ln>
+            </p:spPr>
+            <p:style>
+              <a:lnRef idx="3">
+                <a:schemeClr val="dk1"/>
+              </a:lnRef>
+              <a:fillRef idx="0">
+                <a:schemeClr val="dk1"/>
+              </a:fillRef>
+              <a:effectRef idx="2">
+                <a:schemeClr val="dk1"/>
+              </a:effectRef>
+              <a:fontRef idx="minor">
+                <a:schemeClr val="tx1"/>
+              </a:fontRef>
+            </p:style>
+          </p:cxnSp>
+          <p:sp>
+            <p:nvSpPr>
+              <p:cNvPr id="65" name="文本框 64"/>
+              <p:cNvSpPr txBox="1"/>
+              <p:nvPr/>
+            </p:nvSpPr>
+            <p:spPr>
+              <a:xfrm>
+                <a:off x="7913" y="4704"/>
+                <a:ext cx="878" cy="386"/>
+              </a:xfrm>
+              <a:prstGeom prst="rect">
+                <a:avLst/>
+              </a:prstGeom>
+              <a:noFill/>
+            </p:spPr>
+            <p:txBody>
+              <a:bodyPr wrap="square" rtlCol="0">
+                <a:spAutoFit/>
+              </a:bodyPr>
+              <a:p>
+                <a:r>
+                  <a:rPr lang="en-US" altLang="zh-CN" sz="1000"/>
+                  <a:t>30</a:t>
+                </a:r>
+                <a:r>
+                  <a:rPr lang="zh-CN" altLang="en-US" sz="1000"/>
+                  <a:t>°</a:t>
+                </a:r>
+                <a:endParaRPr lang="zh-CN" altLang="en-US" sz="1000"/>
+              </a:p>
+            </p:txBody>
+          </p:sp>
+          <p:sp>
+            <p:nvSpPr>
+              <p:cNvPr id="66" name="文本框 65"/>
+              <p:cNvSpPr txBox="1"/>
+              <p:nvPr/>
+            </p:nvSpPr>
+            <p:spPr>
+              <a:xfrm>
+                <a:off x="8389" y="4704"/>
+                <a:ext cx="878" cy="386"/>
+              </a:xfrm>
+              <a:prstGeom prst="rect">
+                <a:avLst/>
+              </a:prstGeom>
+              <a:noFill/>
+            </p:spPr>
+            <p:txBody>
+              <a:bodyPr wrap="square" rtlCol="0">
+                <a:spAutoFit/>
+              </a:bodyPr>
+              <a:p>
+                <a:r>
+                  <a:rPr lang="en-US" altLang="zh-CN" sz="1000"/>
+                  <a:t>30</a:t>
+                </a:r>
+                <a:r>
+                  <a:rPr lang="zh-CN" altLang="en-US" sz="1000"/>
+                  <a:t>°</a:t>
+                </a:r>
+                <a:endParaRPr lang="zh-CN" altLang="en-US" sz="1000"/>
+              </a:p>
+            </p:txBody>
+          </p:sp>
+        </p:grpSp>
+        <p:sp>
+          <p:nvSpPr>
+            <p:cNvPr id="79" name="椭圆 78"/>
+            <p:cNvSpPr/>
+            <p:nvPr/>
+          </p:nvSpPr>
+          <p:spPr>
+            <a:xfrm>
+              <a:off x="6025" y="5521"/>
+              <a:ext cx="119" cy="119"/>
+            </a:xfrm>
+            <a:prstGeom prst="ellipse">
+              <a:avLst/>
+            </a:prstGeom>
+          </p:spPr>
+          <p:style>
+            <a:lnRef idx="2">
+              <a:schemeClr val="dk1">
+                <a:shade val="50000"/>
+              </a:schemeClr>
+            </a:lnRef>
+            <a:fillRef idx="1">
+              <a:schemeClr val="dk1"/>
+            </a:fillRef>
+            <a:effectRef idx="0">
+              <a:schemeClr val="dk1"/>
+            </a:effectRef>
+            <a:fontRef idx="minor">
+              <a:schemeClr val="lt1"/>
+            </a:fontRef>
+          </p:style>
+          <p:txBody>
+            <a:bodyPr rtlCol="0" anchor="ctr"/>
+            <a:p>
+              <a:pPr algn="ctr"/>
+              <a:endParaRPr lang="zh-CN" altLang="en-US"/>
+            </a:p>
+          </p:txBody>
+        </p:sp>
+        <p:sp>
+          <p:nvSpPr>
+            <p:cNvPr id="80" name="椭圆 79"/>
+            <p:cNvSpPr/>
+            <p:nvPr/>
+          </p:nvSpPr>
+          <p:spPr>
+            <a:xfrm>
+              <a:off x="4868" y="5521"/>
+              <a:ext cx="119" cy="119"/>
+            </a:xfrm>
+            <a:prstGeom prst="ellipse">
+              <a:avLst/>
+            </a:prstGeom>
+          </p:spPr>
+          <p:style>
+            <a:lnRef idx="2">
+              <a:schemeClr val="dk1">
+                <a:shade val="50000"/>
+              </a:schemeClr>
+            </a:lnRef>
+            <a:fillRef idx="1">
+              <a:schemeClr val="dk1"/>
+            </a:fillRef>
+            <a:effectRef idx="0">
+              <a:schemeClr val="dk1"/>
+            </a:effectRef>
+            <a:fontRef idx="minor">
+              <a:schemeClr val="lt1"/>
+            </a:fontRef>
+          </p:style>
+          <p:txBody>
+            <a:bodyPr rtlCol="0" anchor="ctr"/>
+            <a:p>
+              <a:pPr algn="ctr"/>
+              <a:endParaRPr lang="zh-CN" altLang="en-US"/>
+            </a:p>
+          </p:txBody>
+        </p:sp>
+        <p:sp>
+          <p:nvSpPr>
+            <p:cNvPr id="81" name="椭圆 80"/>
+            <p:cNvSpPr/>
+            <p:nvPr/>
+          </p:nvSpPr>
+          <p:spPr>
+            <a:xfrm>
+              <a:off x="6026" y="4749"/>
+              <a:ext cx="119" cy="119"/>
+            </a:xfrm>
+            <a:prstGeom prst="ellipse">
+              <a:avLst/>
+            </a:prstGeom>
+          </p:spPr>
+          <p:style>
+            <a:lnRef idx="2">
+              <a:schemeClr val="dk1">
+                <a:shade val="50000"/>
+              </a:schemeClr>
+            </a:lnRef>
+            <a:fillRef idx="1">
+              <a:schemeClr val="dk1"/>
+            </a:fillRef>
+            <a:effectRef idx="0">
+              <a:schemeClr val="dk1"/>
+            </a:effectRef>
+            <a:fontRef idx="minor">
+              <a:schemeClr val="lt1"/>
+            </a:fontRef>
+          </p:style>
+          <p:txBody>
+            <a:bodyPr rtlCol="0" anchor="ctr"/>
+            <a:p>
+              <a:pPr algn="ctr"/>
+              <a:endParaRPr lang="zh-CN" altLang="en-US"/>
+            </a:p>
+          </p:txBody>
+        </p:sp>
+        <p:sp>
+          <p:nvSpPr>
+            <p:cNvPr id="82" name="椭圆 81"/>
+            <p:cNvSpPr/>
+            <p:nvPr/>
+          </p:nvSpPr>
+          <p:spPr>
+            <a:xfrm>
+              <a:off x="4867" y="4749"/>
+              <a:ext cx="119" cy="119"/>
+            </a:xfrm>
+            <a:prstGeom prst="ellipse">
+              <a:avLst/>
+            </a:prstGeom>
+          </p:spPr>
+          <p:style>
+            <a:lnRef idx="2">
+              <a:schemeClr val="dk1">
+                <a:shade val="50000"/>
+              </a:schemeClr>
+            </a:lnRef>
+            <a:fillRef idx="1">
+              <a:schemeClr val="dk1"/>
+            </a:fillRef>
+            <a:effectRef idx="0">
+              <a:schemeClr val="dk1"/>
+            </a:effectRef>
+            <a:fontRef idx="minor">
+              <a:schemeClr val="lt1"/>
+            </a:fontRef>
+          </p:style>
+          <p:txBody>
+            <a:bodyPr rtlCol="0" anchor="ctr"/>
+            <a:p>
+              <a:pPr algn="ctr"/>
+              <a:endParaRPr lang="zh-CN" altLang="en-US"/>
+            </a:p>
+          </p:txBody>
+        </p:sp>
+        <p:sp>
+          <p:nvSpPr>
+            <p:cNvPr id="90" name="文本框 89"/>
+            <p:cNvSpPr txBox="1"/>
+            <p:nvPr/>
+          </p:nvSpPr>
+          <p:spPr>
+            <a:xfrm>
+              <a:off x="3486" y="3751"/>
+              <a:ext cx="4000" cy="483"/>
+            </a:xfrm>
+            <a:prstGeom prst="rect">
+              <a:avLst/>
+            </a:prstGeom>
+            <a:noFill/>
+          </p:spPr>
+          <p:txBody>
+            <a:bodyPr wrap="square" rtlCol="0" anchor="t">
+              <a:spAutoFit/>
+            </a:bodyPr>
+            <a:p>
+              <a:pPr algn="ctr"/>
+              <a:r>
+                <a:rPr lang="zh-CN" altLang="en-US" sz="1400"/>
+                <a:t>Front view</a:t>
+              </a:r>
+              <a:endParaRPr lang="zh-CN" altLang="en-US" sz="1400"/>
+            </a:p>
+          </p:txBody>
+        </p:sp>
+      </p:grpSp>
+      <p:grpSp>
+        <p:nvGrpSpPr>
+          <p:cNvPr id="93" name="组合 92"/>
+          <p:cNvGrpSpPr/>
+          <p:nvPr/>
+        </p:nvGrpSpPr>
+        <p:grpSpPr>
+          <a:xfrm>
+            <a:off x="4469765" y="2402205"/>
+            <a:ext cx="2540000" cy="1619885"/>
+            <a:chOff x="7880" y="3783"/>
+            <a:chExt cx="4000" cy="2551"/>
+          </a:xfrm>
+        </p:grpSpPr>
+        <p:grpSp>
+          <p:nvGrpSpPr>
+            <p:cNvPr id="89" name="组合 88"/>
+            <p:cNvGrpSpPr/>
+            <p:nvPr/>
+          </p:nvGrpSpPr>
+          <p:grpSpPr>
+            <a:xfrm>
+              <a:off x="8430" y="4282"/>
+              <a:ext cx="3166" cy="2052"/>
+              <a:chOff x="8669" y="4282"/>
+              <a:chExt cx="3166" cy="2052"/>
+            </a:xfrm>
+          </p:grpSpPr>
+          <p:sp>
+            <p:nvSpPr>
+              <p:cNvPr id="68" name="圆角矩形 67"/>
+              <p:cNvSpPr/>
+              <p:nvPr/>
+            </p:nvSpPr>
+            <p:spPr>
+              <a:xfrm>
+                <a:off x="8809" y="4282"/>
+                <a:ext cx="2620" cy="543"/>
+              </a:xfrm>
+              <a:prstGeom prst="roundRect">
+                <a:avLst/>
+              </a:prstGeom>
+            </p:spPr>
+            <p:style>
+              <a:lnRef idx="2">
+                <a:schemeClr val="dk1"/>
+              </a:lnRef>
+              <a:fillRef idx="1">
+                <a:schemeClr val="lt1"/>
+              </a:fillRef>
+              <a:effectRef idx="0">
+                <a:schemeClr val="dk1"/>
+              </a:effectRef>
+              <a:fontRef idx="minor">
+                <a:schemeClr val="dk1"/>
+              </a:fontRef>
+            </p:style>
+            <p:txBody>
+              <a:bodyPr rtlCol="0" anchor="ctr"/>
+              <a:p>
+                <a:pPr algn="ctr"/>
+                <a:endParaRPr lang="zh-CN" altLang="en-US"/>
+              </a:p>
+            </p:txBody>
+          </p:sp>
+          <p:cxnSp>
+            <p:nvCxnSpPr>
+              <p:cNvPr id="69" name="直接连接符 68"/>
+              <p:cNvCxnSpPr/>
+              <p:nvPr/>
+            </p:nvCxnSpPr>
+            <p:spPr>
+              <a:xfrm>
+                <a:off x="9344" y="4793"/>
+                <a:ext cx="0" cy="1406"/>
+              </a:xfrm>
+              <a:prstGeom prst="line">
+                <a:avLst/>
+              </a:prstGeom>
+              <a:ln w="15875"/>
+            </p:spPr>
+            <p:style>
+              <a:lnRef idx="3">
+                <a:schemeClr val="dk1"/>
+              </a:lnRef>
+              <a:fillRef idx="0">
+                <a:schemeClr val="dk1"/>
+              </a:fillRef>
+              <a:effectRef idx="2">
+                <a:schemeClr val="dk1"/>
+              </a:effectRef>
+              <a:fontRef idx="minor">
+                <a:schemeClr val="tx1"/>
+              </a:fontRef>
+            </p:style>
+          </p:cxnSp>
+          <p:cxnSp>
+            <p:nvCxnSpPr>
+              <p:cNvPr id="70" name="直接连接符 69"/>
+              <p:cNvCxnSpPr/>
+              <p:nvPr/>
+            </p:nvCxnSpPr>
+            <p:spPr>
+              <a:xfrm>
+                <a:off x="10957" y="4809"/>
+                <a:ext cx="0" cy="1406"/>
+              </a:xfrm>
+              <a:prstGeom prst="line">
+                <a:avLst/>
+              </a:prstGeom>
+              <a:ln w="15875"/>
+            </p:spPr>
+            <p:style>
+              <a:lnRef idx="3">
+                <a:schemeClr val="dk1"/>
+              </a:lnRef>
+              <a:fillRef idx="0">
+                <a:schemeClr val="dk1"/>
+              </a:fillRef>
+              <a:effectRef idx="2">
+                <a:schemeClr val="dk1"/>
+              </a:effectRef>
+              <a:fontRef idx="minor">
+                <a:schemeClr val="tx1"/>
+              </a:fontRef>
+            </p:style>
+          </p:cxnSp>
+          <p:sp>
+            <p:nvSpPr>
+              <p:cNvPr id="71" name="椭圆 70"/>
+              <p:cNvSpPr/>
+              <p:nvPr/>
+            </p:nvSpPr>
+            <p:spPr>
+              <a:xfrm>
+                <a:off x="9285" y="6199"/>
+                <a:ext cx="119" cy="119"/>
+              </a:xfrm>
+              <a:prstGeom prst="ellipse">
+                <a:avLst/>
+              </a:prstGeom>
+            </p:spPr>
+            <p:style>
+              <a:lnRef idx="2">
+                <a:schemeClr val="dk1">
+                  <a:shade val="50000"/>
+                </a:schemeClr>
+              </a:lnRef>
+              <a:fillRef idx="1">
+                <a:schemeClr val="dk1"/>
+              </a:fillRef>
+              <a:effectRef idx="0">
+                <a:schemeClr val="dk1"/>
+              </a:effectRef>
+              <a:fontRef idx="minor">
+                <a:schemeClr val="lt1"/>
+              </a:fontRef>
+            </p:style>
+            <p:txBody>
+              <a:bodyPr rtlCol="0" anchor="ctr"/>
+              <a:p>
+                <a:pPr algn="ctr"/>
+                <a:endParaRPr lang="zh-CN" altLang="en-US"/>
+              </a:p>
+            </p:txBody>
+          </p:sp>
+          <p:sp>
+            <p:nvSpPr>
+              <p:cNvPr id="72" name="椭圆 71"/>
+              <p:cNvSpPr/>
+              <p:nvPr/>
+            </p:nvSpPr>
+            <p:spPr>
+              <a:xfrm>
+                <a:off x="10897" y="6199"/>
+                <a:ext cx="119" cy="119"/>
+              </a:xfrm>
+              <a:prstGeom prst="ellipse">
+                <a:avLst/>
+              </a:prstGeom>
+            </p:spPr>
+            <p:style>
+              <a:lnRef idx="2">
+                <a:schemeClr val="dk1">
+                  <a:shade val="50000"/>
+                </a:schemeClr>
+              </a:lnRef>
+              <a:fillRef idx="1">
+                <a:schemeClr val="dk1"/>
+              </a:fillRef>
+              <a:effectRef idx="0">
+                <a:schemeClr val="dk1"/>
+              </a:effectRef>
+              <a:fontRef idx="minor">
+                <a:schemeClr val="lt1"/>
+              </a:fontRef>
+            </p:style>
+            <p:txBody>
+              <a:bodyPr rtlCol="0" anchor="ctr"/>
+              <a:p>
+                <a:pPr algn="ctr"/>
+                <a:endParaRPr lang="zh-CN" altLang="en-US"/>
+              </a:p>
+            </p:txBody>
+          </p:sp>
+          <p:cxnSp>
+            <p:nvCxnSpPr>
+              <p:cNvPr id="73" name="直接连接符 72"/>
+              <p:cNvCxnSpPr/>
+              <p:nvPr/>
+            </p:nvCxnSpPr>
+            <p:spPr>
+              <a:xfrm flipH="1" flipV="1">
+                <a:off x="9344" y="4825"/>
+                <a:ext cx="153" cy="1022"/>
+              </a:xfrm>
+              <a:prstGeom prst="line">
+                <a:avLst/>
+              </a:prstGeom>
+              <a:ln w="12700" cmpd="sng">
+                <a:solidFill>
+                  <a:schemeClr val="tx1"/>
+                </a:solidFill>
+                <a:prstDash val="sysDot"/>
+              </a:ln>
+            </p:spPr>
+            <p:style>
+              <a:lnRef idx="3">
+                <a:schemeClr val="dk1"/>
+              </a:lnRef>
+              <a:fillRef idx="0">
+                <a:schemeClr val="dk1"/>
+              </a:fillRef>
+              <a:effectRef idx="2">
+                <a:schemeClr val="dk1"/>
+              </a:effectRef>
+              <a:fontRef idx="minor">
+                <a:schemeClr val="tx1"/>
+              </a:fontRef>
+            </p:style>
+          </p:cxnSp>
+          <p:cxnSp>
+            <p:nvCxnSpPr>
+              <p:cNvPr id="74" name="直接连接符 73"/>
+              <p:cNvCxnSpPr/>
+              <p:nvPr/>
+            </p:nvCxnSpPr>
+            <p:spPr>
+              <a:xfrm flipH="1">
+                <a:off x="8698" y="4809"/>
+                <a:ext cx="784" cy="191"/>
+              </a:xfrm>
+              <a:prstGeom prst="line">
+                <a:avLst/>
+              </a:prstGeom>
+              <a:ln w="12700" cmpd="sng">
+                <a:solidFill>
+                  <a:schemeClr val="tx1"/>
+                </a:solidFill>
+                <a:prstDash val="sysDot"/>
+              </a:ln>
+            </p:spPr>
+            <p:style>
+              <a:lnRef idx="3">
+                <a:schemeClr val="dk1"/>
+              </a:lnRef>
+              <a:fillRef idx="0">
+                <a:schemeClr val="dk1"/>
+              </a:fillRef>
+              <a:effectRef idx="2">
+                <a:schemeClr val="dk1"/>
+              </a:effectRef>
+              <a:fontRef idx="minor">
+                <a:schemeClr val="tx1"/>
+              </a:fontRef>
+            </p:style>
+          </p:cxnSp>
+          <p:sp>
+            <p:nvSpPr>
+              <p:cNvPr id="75" name="文本框 74"/>
+              <p:cNvSpPr txBox="1"/>
+              <p:nvPr/>
+            </p:nvSpPr>
+            <p:spPr>
+              <a:xfrm>
+                <a:off x="9285" y="5152"/>
+                <a:ext cx="878" cy="386"/>
+              </a:xfrm>
+              <a:prstGeom prst="rect">
+                <a:avLst/>
+              </a:prstGeom>
+              <a:noFill/>
+            </p:spPr>
+            <p:txBody>
+              <a:bodyPr wrap="square" rtlCol="0">
+                <a:spAutoFit/>
+              </a:bodyPr>
+              <a:p>
+                <a:r>
+                  <a:rPr lang="en-US" altLang="zh-CN" sz="1000"/>
+                  <a:t>10</a:t>
+                </a:r>
+                <a:r>
+                  <a:rPr lang="zh-CN" altLang="en-US" sz="1000"/>
+                  <a:t>°</a:t>
+                </a:r>
+                <a:endParaRPr lang="zh-CN" altLang="en-US" sz="1000"/>
+              </a:p>
+            </p:txBody>
+          </p:sp>
+          <p:sp>
+            <p:nvSpPr>
+              <p:cNvPr id="76" name="文本框 75"/>
+              <p:cNvSpPr txBox="1"/>
+              <p:nvPr/>
+            </p:nvSpPr>
+            <p:spPr>
+              <a:xfrm>
+                <a:off x="8669" y="4921"/>
+                <a:ext cx="878" cy="386"/>
+              </a:xfrm>
+              <a:prstGeom prst="rect">
+                <a:avLst/>
+              </a:prstGeom>
+              <a:noFill/>
+            </p:spPr>
+            <p:txBody>
+              <a:bodyPr wrap="square" rtlCol="0">
+                <a:spAutoFit/>
+              </a:bodyPr>
+              <a:p>
+                <a:r>
+                  <a:rPr lang="en-US" altLang="zh-CN" sz="1000"/>
+                  <a:t>70</a:t>
+                </a:r>
+                <a:r>
+                  <a:rPr lang="zh-CN" altLang="en-US" sz="1000"/>
+                  <a:t>°</a:t>
+                </a:r>
+                <a:endParaRPr lang="zh-CN" altLang="en-US" sz="1000"/>
+              </a:p>
+            </p:txBody>
+          </p:sp>
+          <p:sp>
+            <p:nvSpPr>
+              <p:cNvPr id="77" name="椭圆 76"/>
+              <p:cNvSpPr/>
+              <p:nvPr/>
+            </p:nvSpPr>
+            <p:spPr>
+              <a:xfrm>
+                <a:off x="9285" y="5521"/>
+                <a:ext cx="119" cy="119"/>
+              </a:xfrm>
+              <a:prstGeom prst="ellipse">
+                <a:avLst/>
+              </a:prstGeom>
+            </p:spPr>
+            <p:style>
+              <a:lnRef idx="2">
+                <a:schemeClr val="dk1">
+                  <a:shade val="50000"/>
+                </a:schemeClr>
+              </a:lnRef>
+              <a:fillRef idx="1">
+                <a:schemeClr val="dk1"/>
+              </a:fillRef>
+              <a:effectRef idx="0">
+                <a:schemeClr val="dk1"/>
+              </a:effectRef>
+              <a:fontRef idx="minor">
+                <a:schemeClr val="lt1"/>
+              </a:fontRef>
+            </p:style>
+            <p:txBody>
+              <a:bodyPr rtlCol="0" anchor="ctr"/>
+              <a:p>
+                <a:pPr algn="ctr"/>
+                <a:endParaRPr lang="zh-CN" altLang="en-US"/>
+              </a:p>
+            </p:txBody>
+          </p:sp>
+          <p:sp>
+            <p:nvSpPr>
+              <p:cNvPr id="78" name="椭圆 77"/>
+              <p:cNvSpPr/>
+              <p:nvPr/>
+            </p:nvSpPr>
+            <p:spPr>
+              <a:xfrm>
+                <a:off x="10897" y="5521"/>
+                <a:ext cx="119" cy="119"/>
+              </a:xfrm>
+              <a:prstGeom prst="ellipse">
+                <a:avLst/>
+              </a:prstGeom>
+            </p:spPr>
+            <p:style>
+              <a:lnRef idx="2">
+                <a:schemeClr val="dk1">
+                  <a:shade val="50000"/>
+                </a:schemeClr>
+              </a:lnRef>
+              <a:fillRef idx="1">
+                <a:schemeClr val="dk1"/>
+              </a:fillRef>
+              <a:effectRef idx="0">
+                <a:schemeClr val="dk1"/>
+              </a:effectRef>
+              <a:fontRef idx="minor">
+                <a:schemeClr val="lt1"/>
+              </a:fontRef>
+            </p:style>
+            <p:txBody>
+              <a:bodyPr rtlCol="0" anchor="ctr"/>
+              <a:p>
+                <a:pPr algn="ctr"/>
+                <a:endParaRPr lang="zh-CN" altLang="en-US"/>
+              </a:p>
+            </p:txBody>
+          </p:sp>
+          <p:sp>
+            <p:nvSpPr>
+              <p:cNvPr id="83" name="椭圆 82"/>
+              <p:cNvSpPr/>
+              <p:nvPr/>
+            </p:nvSpPr>
+            <p:spPr>
+              <a:xfrm>
+                <a:off x="9284" y="4749"/>
+                <a:ext cx="119" cy="119"/>
+              </a:xfrm>
+              <a:prstGeom prst="ellipse">
+                <a:avLst/>
+              </a:prstGeom>
+            </p:spPr>
+            <p:style>
+              <a:lnRef idx="2">
+                <a:schemeClr val="dk1">
+                  <a:shade val="50000"/>
+                </a:schemeClr>
+              </a:lnRef>
+              <a:fillRef idx="1">
+                <a:schemeClr val="dk1"/>
+              </a:fillRef>
+              <a:effectRef idx="0">
+                <a:schemeClr val="dk1"/>
+              </a:effectRef>
+              <a:fontRef idx="minor">
+                <a:schemeClr val="lt1"/>
+              </a:fontRef>
+            </p:style>
+            <p:txBody>
+              <a:bodyPr rtlCol="0" anchor="ctr"/>
+              <a:p>
+                <a:pPr algn="ctr"/>
+                <a:endParaRPr lang="zh-CN" altLang="en-US"/>
+              </a:p>
+            </p:txBody>
+          </p:sp>
+          <p:sp>
+            <p:nvSpPr>
+              <p:cNvPr id="84" name="椭圆 83"/>
+              <p:cNvSpPr/>
+              <p:nvPr/>
+            </p:nvSpPr>
+            <p:spPr>
+              <a:xfrm>
+                <a:off x="10897" y="4749"/>
+                <a:ext cx="119" cy="119"/>
+              </a:xfrm>
+              <a:prstGeom prst="ellipse">
+                <a:avLst/>
+              </a:prstGeom>
+            </p:spPr>
+            <p:style>
+              <a:lnRef idx="2">
+                <a:schemeClr val="dk1">
+                  <a:shade val="50000"/>
+                </a:schemeClr>
+              </a:lnRef>
+              <a:fillRef idx="1">
+                <a:schemeClr val="dk1"/>
+              </a:fillRef>
+              <a:effectRef idx="0">
+                <a:schemeClr val="dk1"/>
+              </a:effectRef>
+              <a:fontRef idx="minor">
+                <a:schemeClr val="lt1"/>
+              </a:fontRef>
+            </p:style>
+            <p:txBody>
+              <a:bodyPr rtlCol="0" anchor="ctr"/>
+              <a:p>
+                <a:pPr algn="ctr"/>
+                <a:endParaRPr lang="zh-CN" altLang="en-US"/>
+              </a:p>
+            </p:txBody>
+          </p:sp>
+          <p:cxnSp>
+            <p:nvCxnSpPr>
+              <p:cNvPr id="85" name="直接连接符 84"/>
+              <p:cNvCxnSpPr/>
+              <p:nvPr/>
+            </p:nvCxnSpPr>
+            <p:spPr>
+              <a:xfrm flipH="1">
+                <a:off x="10869" y="5575"/>
+                <a:ext cx="527" cy="5"/>
+              </a:xfrm>
+              <a:prstGeom prst="line">
+                <a:avLst/>
+              </a:prstGeom>
+              <a:ln w="12700" cmpd="sng">
+                <a:solidFill>
+                  <a:schemeClr val="tx1"/>
+                </a:solidFill>
+                <a:prstDash val="sysDot"/>
+              </a:ln>
+            </p:spPr>
+            <p:style>
+              <a:lnRef idx="3">
+                <a:schemeClr val="dk1"/>
+              </a:lnRef>
+              <a:fillRef idx="0">
+                <a:schemeClr val="dk1"/>
+              </a:fillRef>
+              <a:effectRef idx="2">
+                <a:schemeClr val="dk1"/>
+              </a:effectRef>
+              <a:fontRef idx="minor">
+                <a:schemeClr val="tx1"/>
+              </a:fontRef>
+            </p:style>
+          </p:cxnSp>
+          <p:cxnSp>
+            <p:nvCxnSpPr>
+              <p:cNvPr id="86" name="直接连接符 85"/>
+              <p:cNvCxnSpPr>
+                <a:endCxn id="88" idx="2"/>
+              </p:cNvCxnSpPr>
+              <p:nvPr/>
+            </p:nvCxnSpPr>
+            <p:spPr>
+              <a:xfrm flipH="1">
+                <a:off x="10845" y="5600"/>
+                <a:ext cx="110" cy="734"/>
+              </a:xfrm>
+              <a:prstGeom prst="line">
+                <a:avLst/>
+              </a:prstGeom>
+              <a:ln w="12700" cmpd="sng">
+                <a:solidFill>
+                  <a:schemeClr val="tx1"/>
+                </a:solidFill>
+                <a:prstDash val="sysDot"/>
+              </a:ln>
+            </p:spPr>
+            <p:style>
+              <a:lnRef idx="3">
+                <a:schemeClr val="dk1"/>
+              </a:lnRef>
+              <a:fillRef idx="0">
+                <a:schemeClr val="dk1"/>
+              </a:fillRef>
+              <a:effectRef idx="2">
+                <a:schemeClr val="dk1"/>
+              </a:effectRef>
+              <a:fontRef idx="minor">
+                <a:schemeClr val="tx1"/>
+              </a:fontRef>
+            </p:style>
+          </p:cxnSp>
+          <p:sp>
+            <p:nvSpPr>
+              <p:cNvPr id="87" name="文本框 86"/>
+              <p:cNvSpPr txBox="1"/>
+              <p:nvPr/>
+            </p:nvSpPr>
+            <p:spPr>
+              <a:xfrm>
+                <a:off x="10957" y="5640"/>
+                <a:ext cx="878" cy="386"/>
+              </a:xfrm>
+              <a:prstGeom prst="rect">
+                <a:avLst/>
+              </a:prstGeom>
+              <a:noFill/>
+            </p:spPr>
+            <p:txBody>
+              <a:bodyPr wrap="square" rtlCol="0">
+                <a:spAutoFit/>
+              </a:bodyPr>
+              <a:p>
+                <a:r>
+                  <a:rPr lang="en-US" altLang="zh-CN" sz="1000"/>
+                  <a:t>90</a:t>
+                </a:r>
+                <a:r>
+                  <a:rPr lang="zh-CN" altLang="en-US" sz="1000"/>
+                  <a:t>°</a:t>
+                </a:r>
+                <a:endParaRPr lang="zh-CN" altLang="en-US" sz="1000"/>
+              </a:p>
+            </p:txBody>
+          </p:sp>
+          <p:sp>
+            <p:nvSpPr>
+              <p:cNvPr id="88" name="文本框 87"/>
+              <p:cNvSpPr txBox="1"/>
+              <p:nvPr/>
+            </p:nvSpPr>
+            <p:spPr>
+              <a:xfrm>
+                <a:off x="10406" y="5948"/>
+                <a:ext cx="878" cy="386"/>
+              </a:xfrm>
+              <a:prstGeom prst="rect">
+                <a:avLst/>
+              </a:prstGeom>
+              <a:noFill/>
+            </p:spPr>
+            <p:txBody>
+              <a:bodyPr wrap="square" rtlCol="0">
+                <a:spAutoFit/>
+              </a:bodyPr>
+              <a:p>
+                <a:r>
+                  <a:rPr lang="en-US" altLang="zh-CN" sz="1000"/>
+                  <a:t>10</a:t>
+                </a:r>
+                <a:r>
+                  <a:rPr lang="zh-CN" altLang="en-US" sz="1000"/>
+                  <a:t>°</a:t>
+                </a:r>
+                <a:endParaRPr lang="zh-CN" altLang="en-US" sz="1000"/>
+              </a:p>
+            </p:txBody>
+          </p:sp>
+        </p:grpSp>
+        <p:sp>
+          <p:nvSpPr>
+            <p:cNvPr id="92" name="文本框 91"/>
+            <p:cNvSpPr txBox="1"/>
+            <p:nvPr/>
+          </p:nvSpPr>
+          <p:spPr>
+            <a:xfrm>
+              <a:off x="7880" y="3783"/>
+              <a:ext cx="4000" cy="483"/>
+            </a:xfrm>
+            <a:prstGeom prst="rect">
+              <a:avLst/>
+            </a:prstGeom>
+            <a:noFill/>
+          </p:spPr>
+          <p:txBody>
+            <a:bodyPr wrap="square" rtlCol="0" anchor="t">
+              <a:spAutoFit/>
+            </a:bodyPr>
+            <a:p>
+              <a:pPr algn="ctr"/>
+              <a:r>
+                <a:rPr lang="en-US" altLang="zh-CN" sz="1400"/>
+                <a:t>Side</a:t>
+              </a:r>
+              <a:r>
+                <a:rPr lang="zh-CN" altLang="en-US" sz="1400"/>
+                <a:t> view</a:t>
+              </a:r>
+              <a:endParaRPr lang="zh-CN" altLang="en-US" sz="1400"/>
+            </a:p>
+          </p:txBody>
+        </p:sp>
+      </p:grpSp>
+      <p:sp>
+        <p:nvSpPr>
+          <p:cNvPr id="95" name="文本框 94"/>
+          <p:cNvSpPr txBox="1"/>
+          <p:nvPr/>
+        </p:nvSpPr>
+        <p:spPr>
+          <a:xfrm>
+            <a:off x="3519170" y="4144010"/>
+            <a:ext cx="2139950" cy="337185"/>
+          </a:xfrm>
+          <a:prstGeom prst="rect">
+            <a:avLst/>
+          </a:prstGeom>
+          <a:noFill/>
+        </p:spPr>
+        <p:txBody>
+          <a:bodyPr wrap="square" rtlCol="0">
+            <a:spAutoFit/>
+          </a:bodyPr>
+          <a:p>
+            <a:pPr algn="ctr"/>
+            <a:r>
+              <a:rPr lang="zh-CN" altLang="en-US" sz="1600"/>
+              <a:t>Robot soft limit</a:t>
+            </a:r>
+            <a:endParaRPr lang="zh-CN" altLang="en-US" sz="1600"/>
+          </a:p>
+        </p:txBody>
+      </p:sp>
+      <p:sp>
+        <p:nvSpPr>
+          <p:cNvPr id="96" name="文本框 95"/>
+          <p:cNvSpPr txBox="1"/>
+          <p:nvPr/>
+        </p:nvSpPr>
+        <p:spPr>
+          <a:xfrm>
+            <a:off x="5922010" y="2753360"/>
+            <a:ext cx="649605" cy="275590"/>
+          </a:xfrm>
+          <a:prstGeom prst="rect">
+            <a:avLst/>
+          </a:prstGeom>
+          <a:noFill/>
+        </p:spPr>
+        <p:txBody>
+          <a:bodyPr wrap="square" rtlCol="0">
+            <a:spAutoFit/>
+          </a:bodyPr>
+          <a:p>
+            <a:pPr algn="r"/>
+            <a:r>
+              <a:rPr lang="en-US" altLang="zh-CN" sz="1200"/>
+              <a:t>front</a:t>
+            </a:r>
+            <a:endParaRPr lang="en-US" altLang="zh-CN" sz="1200"/>
+          </a:p>
+        </p:txBody>
+      </p:sp>
+    </p:spTree>
+  </p:cSld>
+  <p:clrMapOvr>
+    <a:masterClrMapping/>
+  </p:clrMapOvr>
+</p:sld>
+</file>
+
 <file path=ppt/theme/theme1.xml><?xml version="1.0" encoding="utf-8"?>
 <a:theme xmlns:a="http://schemas.openxmlformats.org/drawingml/2006/main" name="Office 主题​​">
   <a:themeElements>
